--- a/Apresentação Smart Pen Drive.pptx
+++ b/Apresentação Smart Pen Drive.pptx
@@ -5,22 +5,25 @@
     <p:sldMasterId id="2147483657" r:id="rId1"/>
   </p:sldMasterIdLst>
   <p:notesMasterIdLst>
-    <p:notesMasterId r:id="rId5"/>
+    <p:notesMasterId r:id="rId8"/>
   </p:notesMasterIdLst>
   <p:sldIdLst>
     <p:sldId id="256" r:id="rId2"/>
-    <p:sldId id="261" r:id="rId3"/>
+    <p:sldId id="285" r:id="rId3"/>
     <p:sldId id="284" r:id="rId4"/>
+    <p:sldId id="286" r:id="rId5"/>
+    <p:sldId id="287" r:id="rId6"/>
+    <p:sldId id="288" r:id="rId7"/>
   </p:sldIdLst>
   <p:sldSz cx="9144000" cy="6858000" type="screen4x3"/>
   <p:notesSz cx="6858000" cy="9144000"/>
   <p:embeddedFontLst>
     <p:embeddedFont>
       <p:font typeface="Cousine" panose="020B0604020202020204" charset="0"/>
-      <p:regular r:id="rId6"/>
-      <p:bold r:id="rId7"/>
-      <p:italic r:id="rId8"/>
-      <p:boldItalic r:id="rId9"/>
+      <p:regular r:id="rId9"/>
+      <p:bold r:id="rId10"/>
+      <p:italic r:id="rId11"/>
+      <p:boldItalic r:id="rId12"/>
     </p:embeddedFont>
   </p:embeddedFontLst>
   <p:defaultTextStyle>
@@ -225,7 +228,16 @@
       </a:defRPr>
     </a:lvl9pPr>
   </p:defaultTextStyle>
+  <p:extLst>
+    <p:ext uri="{EFAFB233-063F-42B5-8137-9DF3F51BA10A}">
+      <p15:sldGuideLst xmlns:p15="http://schemas.microsoft.com/office/powerpoint/2012/main"/>
+    </p:ext>
+  </p:extLst>
 </p:presentation>
+</file>
+
+<file path=ppt/revisionInfo.xml><?xml version="1.0" encoding="utf-8"?>
+<p1510:revInfo xmlns:a="http://schemas.openxmlformats.org/drawingml/2006/main" xmlns:r="http://schemas.openxmlformats.org/officeDocument/2006/relationships" xmlns:p1510="http://schemas.microsoft.com/office/powerpoint/2015/10/main"/>
 </file>
 
 <file path=ppt/notesMasters/notesMaster1.xml><?xml version="1.0" encoding="utf-8"?>
@@ -680,107 +692,6 @@
         </p:txBody>
       </p:sp>
     </p:spTree>
-  </p:cSld>
-  <p:clrMapOvr>
-    <a:masterClrMapping/>
-  </p:clrMapOvr>
-</p:notes>
-</file>
-
-<file path=ppt/notesSlides/notesSlide3.xml><?xml version="1.0" encoding="utf-8"?>
-<p:notes xmlns:a="http://schemas.openxmlformats.org/drawingml/2006/main" xmlns:r="http://schemas.openxmlformats.org/officeDocument/2006/relationships" xmlns:p="http://schemas.openxmlformats.org/presentationml/2006/main" showMasterSp="0" showMasterPhAnim="0">
-  <p:cSld>
-    <p:spTree>
-      <p:nvGrpSpPr>
-        <p:cNvPr id="1" name="Shape 93"/>
-        <p:cNvGrpSpPr/>
-        <p:nvPr/>
-      </p:nvGrpSpPr>
-      <p:grpSpPr>
-        <a:xfrm>
-          <a:off x="0" y="0"/>
-          <a:ext cx="0" cy="0"/>
-          <a:chOff x="0" y="0"/>
-          <a:chExt cx="0" cy="0"/>
-        </a:xfrm>
-      </p:grpSpPr>
-      <p:sp>
-        <p:nvSpPr>
-          <p:cNvPr id="94" name="Shape 94"/>
-          <p:cNvSpPr>
-            <a:spLocks noGrp="1" noRot="1" noChangeAspect="1"/>
-          </p:cNvSpPr>
-          <p:nvPr>
-            <p:ph type="sldImg" idx="2"/>
-          </p:nvPr>
-        </p:nvSpPr>
-        <p:spPr>
-          <a:xfrm>
-            <a:off x="1143000" y="685800"/>
-            <a:ext cx="4572000" cy="3429000"/>
-          </a:xfrm>
-          <a:custGeom>
-            <a:avLst/>
-            <a:gdLst/>
-            <a:ahLst/>
-            <a:cxnLst/>
-            <a:rect l="0" t="0" r="0" b="0"/>
-            <a:pathLst>
-              <a:path w="120000" h="120000" extrusionOk="0">
-                <a:moveTo>
-                  <a:pt x="0" y="0"/>
-                </a:moveTo>
-                <a:lnTo>
-                  <a:pt x="120000" y="0"/>
-                </a:lnTo>
-                <a:lnTo>
-                  <a:pt x="120000" y="120000"/>
-                </a:lnTo>
-                <a:lnTo>
-                  <a:pt x="0" y="120000"/>
-                </a:lnTo>
-                <a:close/>
-              </a:path>
-            </a:pathLst>
-          </a:custGeom>
-        </p:spPr>
-      </p:sp>
-      <p:sp>
-        <p:nvSpPr>
-          <p:cNvPr id="95" name="Shape 95"/>
-          <p:cNvSpPr txBox="1">
-            <a:spLocks noGrp="1"/>
-          </p:cNvSpPr>
-          <p:nvPr>
-            <p:ph type="body" idx="1"/>
-          </p:nvPr>
-        </p:nvSpPr>
-        <p:spPr>
-          <a:xfrm>
-            <a:off x="685800" y="4343400"/>
-            <a:ext cx="5486399" cy="4114800"/>
-          </a:xfrm>
-          <a:prstGeom prst="rect">
-            <a:avLst/>
-          </a:prstGeom>
-        </p:spPr>
-        <p:txBody>
-          <a:bodyPr lIns="91425" tIns="91425" rIns="91425" bIns="91425" anchor="t" anchorCtr="0">
-            <a:noAutofit/>
-          </a:bodyPr>
-          <a:lstStyle/>
-          <a:p>
-            <a:pPr lvl="0">
-              <a:spcBef>
-                <a:spcPts val="0"/>
-              </a:spcBef>
-              <a:buNone/>
-            </a:pPr>
-            <a:endParaRPr/>
-          </a:p>
-        </p:txBody>
-      </p:sp>
-    </p:spTree>
     <p:extLst>
       <p:ext uri="{BB962C8B-B14F-4D97-AF65-F5344CB8AC3E}">
         <p14:creationId xmlns:p14="http://schemas.microsoft.com/office/powerpoint/2010/main" val="3253601143"/>
@@ -2337,7 +2248,7 @@
   <p:cSld>
     <p:spTree>
       <p:nvGrpSpPr>
-        <p:cNvPr id="1" name="Shape 96"/>
+        <p:cNvPr id="1" name=""/>
         <p:cNvGrpSpPr/>
         <p:nvPr/>
       </p:nvGrpSpPr>
@@ -2349,133 +2260,627 @@
           <a:chExt cx="0" cy="0"/>
         </a:xfrm>
       </p:grpSpPr>
-      <p:sp>
-        <p:nvSpPr>
-          <p:cNvPr id="97" name="Shape 97"/>
-          <p:cNvSpPr txBox="1">
-            <a:spLocks noGrp="1"/>
-          </p:cNvSpPr>
-          <p:nvPr>
-            <p:ph type="title"/>
-          </p:nvPr>
-        </p:nvSpPr>
-        <p:spPr>
+      <p:pic>
+        <p:nvPicPr>
+          <p:cNvPr id="4" name="Picture 3" descr="http://www.pngall.com/wp-content/uploads/2016/04/Cloud-Server-PNG-HD.png"/>
+          <p:cNvPicPr>
+            <a:picLocks noChangeAspect="1" noChangeArrowheads="1"/>
+          </p:cNvPicPr>
+          <p:nvPr/>
+        </p:nvPicPr>
+        <p:blipFill>
+          <a:blip r:embed="rId2">
+            <a:extLst>
+              <a:ext uri="{28A0092B-C50C-407E-A947-70E740481C1C}">
+                <a14:useLocalDpi xmlns:a14="http://schemas.microsoft.com/office/drawing/2010/main" val="0"/>
+              </a:ext>
+            </a:extLst>
+          </a:blip>
+          <a:srcRect/>
+          <a:stretch>
+            <a:fillRect/>
+          </a:stretch>
+        </p:blipFill>
+        <p:spPr bwMode="auto">
           <a:xfrm>
-            <a:off x="404329" y="658442"/>
-            <a:ext cx="8229600" cy="551399"/>
+            <a:off x="444500" y="302559"/>
+            <a:ext cx="2438400" cy="2438400"/>
           </a:xfrm>
           <a:prstGeom prst="rect">
             <a:avLst/>
           </a:prstGeom>
+          <a:noFill/>
+          <a:extLst>
+            <a:ext uri="{909E8E84-426E-40DD-AFC4-6F175D3DCCD1}">
+              <a14:hiddenFill xmlns:a14="http://schemas.microsoft.com/office/drawing/2010/main">
+                <a:solidFill>
+                  <a:srgbClr val="FFFFFF"/>
+                </a:solidFill>
+              </a14:hiddenFill>
+            </a:ext>
+          </a:extLst>
         </p:spPr>
+      </p:pic>
+      <p:pic>
+        <p:nvPicPr>
+          <p:cNvPr id="5" name="Picture 4" descr="Image result for pen drive png icon"/>
+          <p:cNvPicPr>
+            <a:picLocks noChangeAspect="1" noChangeArrowheads="1"/>
+          </p:cNvPicPr>
+          <p:nvPr/>
+        </p:nvPicPr>
+        <p:blipFill>
+          <a:blip r:embed="rId3">
+            <a:extLst>
+              <a:ext uri="{28A0092B-C50C-407E-A947-70E740481C1C}">
+                <a14:useLocalDpi xmlns:a14="http://schemas.microsoft.com/office/drawing/2010/main" val="0"/>
+              </a:ext>
+            </a:extLst>
+          </a:blip>
+          <a:srcRect/>
+          <a:stretch>
+            <a:fillRect/>
+          </a:stretch>
+        </p:blipFill>
+        <p:spPr bwMode="auto">
+          <a:xfrm>
+            <a:off x="3201054" y="2480609"/>
+            <a:ext cx="2543175" cy="1943100"/>
+          </a:xfrm>
+          <a:prstGeom prst="rect">
+            <a:avLst/>
+          </a:prstGeom>
+          <a:noFill/>
+          <a:extLst>
+            <a:ext uri="{909E8E84-426E-40DD-AFC4-6F175D3DCCD1}">
+              <a14:hiddenFill xmlns:a14="http://schemas.microsoft.com/office/drawing/2010/main">
+                <a:solidFill>
+                  <a:srgbClr val="FFFFFF"/>
+                </a:solidFill>
+              </a14:hiddenFill>
+            </a:ext>
+          </a:extLst>
+        </p:spPr>
+      </p:pic>
+      <p:pic>
+        <p:nvPicPr>
+          <p:cNvPr id="6" name="Picture 5" descr="Image result for pc png icon"/>
+          <p:cNvPicPr>
+            <a:picLocks noChangeAspect="1" noChangeArrowheads="1"/>
+          </p:cNvPicPr>
+          <p:nvPr/>
+        </p:nvPicPr>
+        <p:blipFill>
+          <a:blip r:embed="rId4">
+            <a:extLst>
+              <a:ext uri="{28A0092B-C50C-407E-A947-70E740481C1C}">
+                <a14:useLocalDpi xmlns:a14="http://schemas.microsoft.com/office/drawing/2010/main" val="0"/>
+              </a:ext>
+            </a:extLst>
+          </a:blip>
+          <a:srcRect/>
+          <a:stretch>
+            <a:fillRect/>
+          </a:stretch>
+        </p:blipFill>
+        <p:spPr bwMode="auto">
+          <a:xfrm>
+            <a:off x="6012237" y="3868179"/>
+            <a:ext cx="2687262" cy="2687262"/>
+          </a:xfrm>
+          <a:prstGeom prst="rect">
+            <a:avLst/>
+          </a:prstGeom>
+          <a:noFill/>
+          <a:extLst>
+            <a:ext uri="{909E8E84-426E-40DD-AFC4-6F175D3DCCD1}">
+              <a14:hiddenFill xmlns:a14="http://schemas.microsoft.com/office/drawing/2010/main">
+                <a:solidFill>
+                  <a:srgbClr val="FFFFFF"/>
+                </a:solidFill>
+              </a14:hiddenFill>
+            </a:ext>
+          </a:extLst>
+        </p:spPr>
+      </p:pic>
+      <p:sp>
+        <p:nvSpPr>
+          <p:cNvPr id="7" name="Arrow: Left-Right 6"/>
+          <p:cNvSpPr/>
+          <p:nvPr/>
+        </p:nvSpPr>
+        <p:spPr>
+          <a:xfrm rot="2365104">
+            <a:off x="2709246" y="2445684"/>
+            <a:ext cx="1468664" cy="590550"/>
+          </a:xfrm>
+          <a:prstGeom prst="leftRightArrow">
+            <a:avLst/>
+          </a:prstGeom>
+        </p:spPr>
+        <p:style>
+          <a:lnRef idx="2">
+            <a:schemeClr val="dk1">
+              <a:shade val="50000"/>
+            </a:schemeClr>
+          </a:lnRef>
+          <a:fillRef idx="1">
+            <a:schemeClr val="dk1"/>
+          </a:fillRef>
+          <a:effectRef idx="0">
+            <a:schemeClr val="dk1"/>
+          </a:effectRef>
+          <a:fontRef idx="minor">
+            <a:schemeClr val="lt1"/>
+          </a:fontRef>
+        </p:style>
         <p:txBody>
-          <a:bodyPr lIns="91425" tIns="91425" rIns="91425" bIns="91425" anchor="t" anchorCtr="0">
+          <a:bodyPr rot="0" spcFirstLastPara="0" vert="horz" wrap="square" lIns="91440" tIns="45720" rIns="91440" bIns="45720" numCol="1" spcCol="0" rtlCol="0" fromWordArt="0" anchor="ctr" anchorCtr="0" forceAA="0" compatLnSpc="1">
+            <a:prstTxWarp prst="textNoShape">
+              <a:avLst/>
+            </a:prstTxWarp>
             <a:noAutofit/>
           </a:bodyPr>
-          <a:lstStyle/>
+          <a:lstStyle>
+            <a:defPPr marR="0" lvl="0" algn="l" rtl="0">
+              <a:lnSpc>
+                <a:spcPct val="100000"/>
+              </a:lnSpc>
+              <a:spcBef>
+                <a:spcPts val="0"/>
+              </a:spcBef>
+              <a:spcAft>
+                <a:spcPts val="0"/>
+              </a:spcAft>
+            </a:defPPr>
+            <a:lvl1pPr marR="0" lvl="0" algn="l" rtl="0">
+              <a:lnSpc>
+                <a:spcPct val="100000"/>
+              </a:lnSpc>
+              <a:spcBef>
+                <a:spcPts val="0"/>
+              </a:spcBef>
+              <a:spcAft>
+                <a:spcPts val="0"/>
+              </a:spcAft>
+              <a:buNone/>
+              <a:defRPr sz="1400" b="0" i="0" u="none" strike="noStrike" cap="none">
+                <a:solidFill>
+                  <a:schemeClr val="lt1"/>
+                </a:solidFill>
+                <a:latin typeface="+mn-lt"/>
+                <a:ea typeface="+mn-ea"/>
+                <a:cs typeface="+mn-cs"/>
+                <a:sym typeface="Arial"/>
+              </a:defRPr>
+            </a:lvl1pPr>
+            <a:lvl2pPr marR="0" lvl="1" algn="l" rtl="0">
+              <a:lnSpc>
+                <a:spcPct val="100000"/>
+              </a:lnSpc>
+              <a:spcBef>
+                <a:spcPts val="0"/>
+              </a:spcBef>
+              <a:spcAft>
+                <a:spcPts val="0"/>
+              </a:spcAft>
+              <a:buNone/>
+              <a:defRPr sz="1400" b="0" i="0" u="none" strike="noStrike" cap="none">
+                <a:solidFill>
+                  <a:schemeClr val="lt1"/>
+                </a:solidFill>
+                <a:latin typeface="+mn-lt"/>
+                <a:ea typeface="+mn-ea"/>
+                <a:cs typeface="+mn-cs"/>
+                <a:sym typeface="Arial"/>
+              </a:defRPr>
+            </a:lvl2pPr>
+            <a:lvl3pPr marR="0" lvl="2" algn="l" rtl="0">
+              <a:lnSpc>
+                <a:spcPct val="100000"/>
+              </a:lnSpc>
+              <a:spcBef>
+                <a:spcPts val="0"/>
+              </a:spcBef>
+              <a:spcAft>
+                <a:spcPts val="0"/>
+              </a:spcAft>
+              <a:buNone/>
+              <a:defRPr sz="1400" b="0" i="0" u="none" strike="noStrike" cap="none">
+                <a:solidFill>
+                  <a:schemeClr val="lt1"/>
+                </a:solidFill>
+                <a:latin typeface="+mn-lt"/>
+                <a:ea typeface="+mn-ea"/>
+                <a:cs typeface="+mn-cs"/>
+                <a:sym typeface="Arial"/>
+              </a:defRPr>
+            </a:lvl3pPr>
+            <a:lvl4pPr marR="0" lvl="3" algn="l" rtl="0">
+              <a:lnSpc>
+                <a:spcPct val="100000"/>
+              </a:lnSpc>
+              <a:spcBef>
+                <a:spcPts val="0"/>
+              </a:spcBef>
+              <a:spcAft>
+                <a:spcPts val="0"/>
+              </a:spcAft>
+              <a:buNone/>
+              <a:defRPr sz="1400" b="0" i="0" u="none" strike="noStrike" cap="none">
+                <a:solidFill>
+                  <a:schemeClr val="lt1"/>
+                </a:solidFill>
+                <a:latin typeface="+mn-lt"/>
+                <a:ea typeface="+mn-ea"/>
+                <a:cs typeface="+mn-cs"/>
+                <a:sym typeface="Arial"/>
+              </a:defRPr>
+            </a:lvl4pPr>
+            <a:lvl5pPr marR="0" lvl="4" algn="l" rtl="0">
+              <a:lnSpc>
+                <a:spcPct val="100000"/>
+              </a:lnSpc>
+              <a:spcBef>
+                <a:spcPts val="0"/>
+              </a:spcBef>
+              <a:spcAft>
+                <a:spcPts val="0"/>
+              </a:spcAft>
+              <a:buNone/>
+              <a:defRPr sz="1400" b="0" i="0" u="none" strike="noStrike" cap="none">
+                <a:solidFill>
+                  <a:schemeClr val="lt1"/>
+                </a:solidFill>
+                <a:latin typeface="+mn-lt"/>
+                <a:ea typeface="+mn-ea"/>
+                <a:cs typeface="+mn-cs"/>
+                <a:sym typeface="Arial"/>
+              </a:defRPr>
+            </a:lvl5pPr>
+            <a:lvl6pPr marR="0" lvl="5" algn="l" rtl="0">
+              <a:lnSpc>
+                <a:spcPct val="100000"/>
+              </a:lnSpc>
+              <a:spcBef>
+                <a:spcPts val="0"/>
+              </a:spcBef>
+              <a:spcAft>
+                <a:spcPts val="0"/>
+              </a:spcAft>
+              <a:buNone/>
+              <a:defRPr sz="1400" b="0" i="0" u="none" strike="noStrike" cap="none">
+                <a:solidFill>
+                  <a:schemeClr val="lt1"/>
+                </a:solidFill>
+                <a:latin typeface="+mn-lt"/>
+                <a:ea typeface="+mn-ea"/>
+                <a:cs typeface="+mn-cs"/>
+                <a:sym typeface="Arial"/>
+              </a:defRPr>
+            </a:lvl6pPr>
+            <a:lvl7pPr marR="0" lvl="6" algn="l" rtl="0">
+              <a:lnSpc>
+                <a:spcPct val="100000"/>
+              </a:lnSpc>
+              <a:spcBef>
+                <a:spcPts val="0"/>
+              </a:spcBef>
+              <a:spcAft>
+                <a:spcPts val="0"/>
+              </a:spcAft>
+              <a:buNone/>
+              <a:defRPr sz="1400" b="0" i="0" u="none" strike="noStrike" cap="none">
+                <a:solidFill>
+                  <a:schemeClr val="lt1"/>
+                </a:solidFill>
+                <a:latin typeface="+mn-lt"/>
+                <a:ea typeface="+mn-ea"/>
+                <a:cs typeface="+mn-cs"/>
+                <a:sym typeface="Arial"/>
+              </a:defRPr>
+            </a:lvl7pPr>
+            <a:lvl8pPr marR="0" lvl="7" algn="l" rtl="0">
+              <a:lnSpc>
+                <a:spcPct val="100000"/>
+              </a:lnSpc>
+              <a:spcBef>
+                <a:spcPts val="0"/>
+              </a:spcBef>
+              <a:spcAft>
+                <a:spcPts val="0"/>
+              </a:spcAft>
+              <a:buNone/>
+              <a:defRPr sz="1400" b="0" i="0" u="none" strike="noStrike" cap="none">
+                <a:solidFill>
+                  <a:schemeClr val="lt1"/>
+                </a:solidFill>
+                <a:latin typeface="+mn-lt"/>
+                <a:ea typeface="+mn-ea"/>
+                <a:cs typeface="+mn-cs"/>
+                <a:sym typeface="Arial"/>
+              </a:defRPr>
+            </a:lvl8pPr>
+            <a:lvl9pPr marR="0" lvl="8" algn="l" rtl="0">
+              <a:lnSpc>
+                <a:spcPct val="100000"/>
+              </a:lnSpc>
+              <a:spcBef>
+                <a:spcPts val="0"/>
+              </a:spcBef>
+              <a:spcAft>
+                <a:spcPts val="0"/>
+              </a:spcAft>
+              <a:buNone/>
+              <a:defRPr sz="1400" b="0" i="0" u="none" strike="noStrike" cap="none">
+                <a:solidFill>
+                  <a:schemeClr val="lt1"/>
+                </a:solidFill>
+                <a:latin typeface="+mn-lt"/>
+                <a:ea typeface="+mn-ea"/>
+                <a:cs typeface="+mn-cs"/>
+                <a:sym typeface="Arial"/>
+              </a:defRPr>
+            </a:lvl9pPr>
+          </a:lstStyle>
           <a:p>
-            <a:pPr lvl="0">
-              <a:spcBef>
-                <a:spcPts val="0"/>
-              </a:spcBef>
-              <a:buNone/>
-            </a:pPr>
-            <a:r>
-              <a:rPr lang="en-US" dirty="0"/>
-              <a:t>O QUE É?</a:t>
-            </a:r>
-            <a:endParaRPr lang="en" dirty="0"/>
+            <a:pPr algn="ctr"/>
+            <a:endParaRPr lang="pt-BR"/>
           </a:p>
         </p:txBody>
       </p:sp>
       <p:sp>
         <p:nvSpPr>
-          <p:cNvPr id="98" name="Shape 98"/>
-          <p:cNvSpPr txBox="1">
-            <a:spLocks noGrp="1"/>
-          </p:cNvSpPr>
-          <p:nvPr>
-            <p:ph type="body" idx="1"/>
-          </p:nvPr>
+          <p:cNvPr id="8" name="Arrow: Left-Right 7"/>
+          <p:cNvSpPr/>
+          <p:nvPr/>
         </p:nvSpPr>
         <p:spPr>
-          <a:xfrm>
-            <a:off x="343224" y="1500000"/>
-            <a:ext cx="8290800" cy="4851900"/>
+          <a:xfrm rot="2659213">
+            <a:off x="4523118" y="4128434"/>
+            <a:ext cx="1468664" cy="590550"/>
           </a:xfrm>
-          <a:prstGeom prst="rect">
+          <a:prstGeom prst="leftRightArrow">
             <a:avLst/>
           </a:prstGeom>
         </p:spPr>
+        <p:style>
+          <a:lnRef idx="2">
+            <a:schemeClr val="dk1">
+              <a:shade val="50000"/>
+            </a:schemeClr>
+          </a:lnRef>
+          <a:fillRef idx="1">
+            <a:schemeClr val="dk1"/>
+          </a:fillRef>
+          <a:effectRef idx="0">
+            <a:schemeClr val="dk1"/>
+          </a:effectRef>
+          <a:fontRef idx="minor">
+            <a:schemeClr val="lt1"/>
+          </a:fontRef>
+        </p:style>
         <p:txBody>
-          <a:bodyPr lIns="91425" tIns="91425" rIns="91425" bIns="91425" anchor="t" anchorCtr="0">
+          <a:bodyPr rot="0" spcFirstLastPara="0" vert="horz" wrap="square" lIns="91440" tIns="45720" rIns="91440" bIns="45720" numCol="1" spcCol="0" rtlCol="0" fromWordArt="0" anchor="ctr" anchorCtr="0" forceAA="0" compatLnSpc="1">
+            <a:prstTxWarp prst="textNoShape">
+              <a:avLst/>
+            </a:prstTxWarp>
             <a:noAutofit/>
           </a:bodyPr>
-          <a:lstStyle/>
+          <a:lstStyle>
+            <a:defPPr marR="0" lvl="0" algn="l" rtl="0">
+              <a:lnSpc>
+                <a:spcPct val="100000"/>
+              </a:lnSpc>
+              <a:spcBef>
+                <a:spcPts val="0"/>
+              </a:spcBef>
+              <a:spcAft>
+                <a:spcPts val="0"/>
+              </a:spcAft>
+            </a:defPPr>
+            <a:lvl1pPr marR="0" lvl="0" algn="l" rtl="0">
+              <a:lnSpc>
+                <a:spcPct val="100000"/>
+              </a:lnSpc>
+              <a:spcBef>
+                <a:spcPts val="0"/>
+              </a:spcBef>
+              <a:spcAft>
+                <a:spcPts val="0"/>
+              </a:spcAft>
+              <a:buNone/>
+              <a:defRPr sz="1400" b="0" i="0" u="none" strike="noStrike" cap="none">
+                <a:solidFill>
+                  <a:schemeClr val="lt1"/>
+                </a:solidFill>
+                <a:latin typeface="+mn-lt"/>
+                <a:ea typeface="+mn-ea"/>
+                <a:cs typeface="+mn-cs"/>
+                <a:sym typeface="Arial"/>
+              </a:defRPr>
+            </a:lvl1pPr>
+            <a:lvl2pPr marR="0" lvl="1" algn="l" rtl="0">
+              <a:lnSpc>
+                <a:spcPct val="100000"/>
+              </a:lnSpc>
+              <a:spcBef>
+                <a:spcPts val="0"/>
+              </a:spcBef>
+              <a:spcAft>
+                <a:spcPts val="0"/>
+              </a:spcAft>
+              <a:buNone/>
+              <a:defRPr sz="1400" b="0" i="0" u="none" strike="noStrike" cap="none">
+                <a:solidFill>
+                  <a:schemeClr val="lt1"/>
+                </a:solidFill>
+                <a:latin typeface="+mn-lt"/>
+                <a:ea typeface="+mn-ea"/>
+                <a:cs typeface="+mn-cs"/>
+                <a:sym typeface="Arial"/>
+              </a:defRPr>
+            </a:lvl2pPr>
+            <a:lvl3pPr marR="0" lvl="2" algn="l" rtl="0">
+              <a:lnSpc>
+                <a:spcPct val="100000"/>
+              </a:lnSpc>
+              <a:spcBef>
+                <a:spcPts val="0"/>
+              </a:spcBef>
+              <a:spcAft>
+                <a:spcPts val="0"/>
+              </a:spcAft>
+              <a:buNone/>
+              <a:defRPr sz="1400" b="0" i="0" u="none" strike="noStrike" cap="none">
+                <a:solidFill>
+                  <a:schemeClr val="lt1"/>
+                </a:solidFill>
+                <a:latin typeface="+mn-lt"/>
+                <a:ea typeface="+mn-ea"/>
+                <a:cs typeface="+mn-cs"/>
+                <a:sym typeface="Arial"/>
+              </a:defRPr>
+            </a:lvl3pPr>
+            <a:lvl4pPr marR="0" lvl="3" algn="l" rtl="0">
+              <a:lnSpc>
+                <a:spcPct val="100000"/>
+              </a:lnSpc>
+              <a:spcBef>
+                <a:spcPts val="0"/>
+              </a:spcBef>
+              <a:spcAft>
+                <a:spcPts val="0"/>
+              </a:spcAft>
+              <a:buNone/>
+              <a:defRPr sz="1400" b="0" i="0" u="none" strike="noStrike" cap="none">
+                <a:solidFill>
+                  <a:schemeClr val="lt1"/>
+                </a:solidFill>
+                <a:latin typeface="+mn-lt"/>
+                <a:ea typeface="+mn-ea"/>
+                <a:cs typeface="+mn-cs"/>
+                <a:sym typeface="Arial"/>
+              </a:defRPr>
+            </a:lvl4pPr>
+            <a:lvl5pPr marR="0" lvl="4" algn="l" rtl="0">
+              <a:lnSpc>
+                <a:spcPct val="100000"/>
+              </a:lnSpc>
+              <a:spcBef>
+                <a:spcPts val="0"/>
+              </a:spcBef>
+              <a:spcAft>
+                <a:spcPts val="0"/>
+              </a:spcAft>
+              <a:buNone/>
+              <a:defRPr sz="1400" b="0" i="0" u="none" strike="noStrike" cap="none">
+                <a:solidFill>
+                  <a:schemeClr val="lt1"/>
+                </a:solidFill>
+                <a:latin typeface="+mn-lt"/>
+                <a:ea typeface="+mn-ea"/>
+                <a:cs typeface="+mn-cs"/>
+                <a:sym typeface="Arial"/>
+              </a:defRPr>
+            </a:lvl5pPr>
+            <a:lvl6pPr marR="0" lvl="5" algn="l" rtl="0">
+              <a:lnSpc>
+                <a:spcPct val="100000"/>
+              </a:lnSpc>
+              <a:spcBef>
+                <a:spcPts val="0"/>
+              </a:spcBef>
+              <a:spcAft>
+                <a:spcPts val="0"/>
+              </a:spcAft>
+              <a:buNone/>
+              <a:defRPr sz="1400" b="0" i="0" u="none" strike="noStrike" cap="none">
+                <a:solidFill>
+                  <a:schemeClr val="lt1"/>
+                </a:solidFill>
+                <a:latin typeface="+mn-lt"/>
+                <a:ea typeface="+mn-ea"/>
+                <a:cs typeface="+mn-cs"/>
+                <a:sym typeface="Arial"/>
+              </a:defRPr>
+            </a:lvl6pPr>
+            <a:lvl7pPr marR="0" lvl="6" algn="l" rtl="0">
+              <a:lnSpc>
+                <a:spcPct val="100000"/>
+              </a:lnSpc>
+              <a:spcBef>
+                <a:spcPts val="0"/>
+              </a:spcBef>
+              <a:spcAft>
+                <a:spcPts val="0"/>
+              </a:spcAft>
+              <a:buNone/>
+              <a:defRPr sz="1400" b="0" i="0" u="none" strike="noStrike" cap="none">
+                <a:solidFill>
+                  <a:schemeClr val="lt1"/>
+                </a:solidFill>
+                <a:latin typeface="+mn-lt"/>
+                <a:ea typeface="+mn-ea"/>
+                <a:cs typeface="+mn-cs"/>
+                <a:sym typeface="Arial"/>
+              </a:defRPr>
+            </a:lvl7pPr>
+            <a:lvl8pPr marR="0" lvl="7" algn="l" rtl="0">
+              <a:lnSpc>
+                <a:spcPct val="100000"/>
+              </a:lnSpc>
+              <a:spcBef>
+                <a:spcPts val="0"/>
+              </a:spcBef>
+              <a:spcAft>
+                <a:spcPts val="0"/>
+              </a:spcAft>
+              <a:buNone/>
+              <a:defRPr sz="1400" b="0" i="0" u="none" strike="noStrike" cap="none">
+                <a:solidFill>
+                  <a:schemeClr val="lt1"/>
+                </a:solidFill>
+                <a:latin typeface="+mn-lt"/>
+                <a:ea typeface="+mn-ea"/>
+                <a:cs typeface="+mn-cs"/>
+                <a:sym typeface="Arial"/>
+              </a:defRPr>
+            </a:lvl8pPr>
+            <a:lvl9pPr marR="0" lvl="8" algn="l" rtl="0">
+              <a:lnSpc>
+                <a:spcPct val="100000"/>
+              </a:lnSpc>
+              <a:spcBef>
+                <a:spcPts val="0"/>
+              </a:spcBef>
+              <a:spcAft>
+                <a:spcPts val="0"/>
+              </a:spcAft>
+              <a:buNone/>
+              <a:defRPr sz="1400" b="0" i="0" u="none" strike="noStrike" cap="none">
+                <a:solidFill>
+                  <a:schemeClr val="lt1"/>
+                </a:solidFill>
+                <a:latin typeface="+mn-lt"/>
+                <a:ea typeface="+mn-ea"/>
+                <a:cs typeface="+mn-cs"/>
+                <a:sym typeface="Arial"/>
+              </a:defRPr>
+            </a:lvl9pPr>
+          </a:lstStyle>
           <a:p>
-            <a:pPr marL="457200" lvl="0" indent="-228600" rtl="0">
-              <a:spcBef>
-                <a:spcPts val="0"/>
-              </a:spcBef>
-            </a:pPr>
-            <a:r>
-              <a:rPr lang="en" dirty="0"/>
-              <a:t>Pen drive dinâmico</a:t>
-            </a:r>
-          </a:p>
-          <a:p>
-            <a:pPr marL="457200" lvl="0" indent="-228600" rtl="0">
-              <a:spcBef>
-                <a:spcPts val="0"/>
-              </a:spcBef>
-            </a:pPr>
-            <a:r>
-              <a:rPr lang="en" dirty="0"/>
-              <a:t>Conteúdo pode ser alterado on-the-go</a:t>
-            </a:r>
-          </a:p>
-          <a:p>
-            <a:pPr marL="457200" lvl="0" indent="-228600" rtl="0">
-              <a:spcBef>
-                <a:spcPts val="0"/>
-              </a:spcBef>
-            </a:pPr>
-            <a:r>
-              <a:rPr lang="en" dirty="0"/>
-              <a:t>Download de arquivos da nuvem</a:t>
-            </a:r>
-          </a:p>
-          <a:p>
-            <a:pPr marL="457200" lvl="0" indent="-228600" rtl="0">
-              <a:spcBef>
-                <a:spcPts val="0"/>
-              </a:spcBef>
-            </a:pPr>
-            <a:r>
-              <a:rPr lang="en" dirty="0"/>
-              <a:t>Controle via smartphone</a:t>
-            </a:r>
-          </a:p>
-          <a:p>
-            <a:pPr marL="457200" lvl="0" indent="-228600" rtl="0">
-              <a:spcBef>
-                <a:spcPts val="0"/>
-              </a:spcBef>
-            </a:pPr>
-            <a:endParaRPr lang="en" dirty="0"/>
-          </a:p>
-          <a:p>
-            <a:pPr lvl="0" rtl="0">
-              <a:spcBef>
-                <a:spcPts val="0"/>
-              </a:spcBef>
-              <a:buNone/>
-            </a:pPr>
-            <a:endParaRPr dirty="0"/>
+            <a:pPr algn="ctr"/>
+            <a:endParaRPr lang="pt-BR"/>
           </a:p>
         </p:txBody>
       </p:sp>
     </p:spTree>
+    <p:extLst>
+      <p:ext uri="{BB962C8B-B14F-4D97-AF65-F5344CB8AC3E}">
+        <p14:creationId xmlns:p14="http://schemas.microsoft.com/office/powerpoint/2010/main" val="3872336258"/>
+      </p:ext>
+    </p:extLst>
   </p:cSld>
   <p:clrMapOvr>
     <a:masterClrMapping/>
@@ -2567,6 +2972,278 @@
     <p:extLst>
       <p:ext uri="{BB962C8B-B14F-4D97-AF65-F5344CB8AC3E}">
         <p14:creationId xmlns:p14="http://schemas.microsoft.com/office/powerpoint/2010/main" val="2422975834"/>
+      </p:ext>
+    </p:extLst>
+  </p:cSld>
+  <p:clrMapOvr>
+    <a:masterClrMapping/>
+  </p:clrMapOvr>
+</p:sld>
+</file>
+
+<file path=ppt/slides/slide4.xml><?xml version="1.0" encoding="utf-8"?>
+<p:sld xmlns:a="http://schemas.openxmlformats.org/drawingml/2006/main" xmlns:r="http://schemas.openxmlformats.org/officeDocument/2006/relationships" xmlns:p="http://schemas.openxmlformats.org/presentationml/2006/main">
+  <p:cSld>
+    <p:spTree>
+      <p:nvGrpSpPr>
+        <p:cNvPr id="1" name=""/>
+        <p:cNvGrpSpPr/>
+        <p:nvPr/>
+      </p:nvGrpSpPr>
+      <p:grpSpPr>
+        <a:xfrm>
+          <a:off x="0" y="0"/>
+          <a:ext cx="0" cy="0"/>
+          <a:chOff x="0" y="0"/>
+          <a:chExt cx="0" cy="0"/>
+        </a:xfrm>
+      </p:grpSpPr>
+      <p:pic>
+        <p:nvPicPr>
+          <p:cNvPr id="5" name="Picture 4"/>
+          <p:cNvPicPr>
+            <a:picLocks noChangeAspect="1"/>
+          </p:cNvPicPr>
+          <p:nvPr/>
+        </p:nvPicPr>
+        <p:blipFill>
+          <a:blip r:embed="rId2"/>
+          <a:stretch>
+            <a:fillRect/>
+          </a:stretch>
+        </p:blipFill>
+        <p:spPr>
+          <a:xfrm>
+            <a:off x="1972701" y="328705"/>
+            <a:ext cx="5289573" cy="6196106"/>
+          </a:xfrm>
+          <a:prstGeom prst="rect">
+            <a:avLst/>
+          </a:prstGeom>
+        </p:spPr>
+      </p:pic>
+    </p:spTree>
+    <p:extLst>
+      <p:ext uri="{BB962C8B-B14F-4D97-AF65-F5344CB8AC3E}">
+        <p14:creationId xmlns:p14="http://schemas.microsoft.com/office/powerpoint/2010/main" val="3087570743"/>
+      </p:ext>
+    </p:extLst>
+  </p:cSld>
+  <p:clrMapOvr>
+    <a:masterClrMapping/>
+  </p:clrMapOvr>
+</p:sld>
+</file>
+
+<file path=ppt/slides/slide5.xml><?xml version="1.0" encoding="utf-8"?>
+<p:sld xmlns:a="http://schemas.openxmlformats.org/drawingml/2006/main" xmlns:r="http://schemas.openxmlformats.org/officeDocument/2006/relationships" xmlns:p="http://schemas.openxmlformats.org/presentationml/2006/main">
+  <p:cSld>
+    <p:spTree>
+      <p:nvGrpSpPr>
+        <p:cNvPr id="1" name=""/>
+        <p:cNvGrpSpPr/>
+        <p:nvPr/>
+      </p:nvGrpSpPr>
+      <p:grpSpPr>
+        <a:xfrm>
+          <a:off x="0" y="0"/>
+          <a:ext cx="0" cy="0"/>
+          <a:chOff x="0" y="0"/>
+          <a:chExt cx="0" cy="0"/>
+        </a:xfrm>
+      </p:grpSpPr>
+      <p:sp>
+        <p:nvSpPr>
+          <p:cNvPr id="2" name="Title 1"/>
+          <p:cNvSpPr>
+            <a:spLocks noGrp="1"/>
+          </p:cNvSpPr>
+          <p:nvPr>
+            <p:ph type="title"/>
+          </p:nvPr>
+        </p:nvSpPr>
+        <p:spPr/>
+        <p:txBody>
+          <a:bodyPr/>
+          <a:lstStyle/>
+          <a:p>
+            <a:r>
+              <a:rPr lang="pt-BR" dirty="0" err="1"/>
+              <a:t>So</a:t>
+            </a:r>
+            <a:r>
+              <a:rPr lang="pt-BR" dirty="0"/>
+              <a:t> </a:t>
+            </a:r>
+            <a:r>
+              <a:rPr lang="pt-BR" dirty="0" err="1"/>
+              <a:t>far</a:t>
+            </a:r>
+            <a:r>
+              <a:rPr lang="pt-BR" dirty="0"/>
+              <a:t>...</a:t>
+            </a:r>
+          </a:p>
+        </p:txBody>
+      </p:sp>
+      <p:sp>
+        <p:nvSpPr>
+          <p:cNvPr id="3" name="Text Placeholder 2"/>
+          <p:cNvSpPr>
+            <a:spLocks noGrp="1"/>
+          </p:cNvSpPr>
+          <p:nvPr>
+            <p:ph type="body" idx="1"/>
+          </p:nvPr>
+        </p:nvSpPr>
+        <p:spPr/>
+        <p:txBody>
+          <a:bodyPr/>
+          <a:lstStyle/>
+          <a:p>
+            <a:r>
+              <a:rPr lang="pt-BR" dirty="0"/>
+              <a:t>Criação do servidor</a:t>
+            </a:r>
+          </a:p>
+          <a:p>
+            <a:r>
+              <a:rPr lang="pt-BR" dirty="0"/>
+              <a:t>GET e POST através do </a:t>
+            </a:r>
+            <a:r>
+              <a:rPr lang="pt-BR" dirty="0" err="1"/>
+              <a:t>uC</a:t>
+            </a:r>
+            <a:endParaRPr lang="pt-BR" dirty="0"/>
+          </a:p>
+          <a:p>
+            <a:r>
+              <a:rPr lang="pt-BR" dirty="0"/>
+              <a:t>Gravar uma imagem no cartão SD</a:t>
+            </a:r>
+          </a:p>
+          <a:p>
+            <a:r>
+              <a:rPr lang="pt-BR" dirty="0"/>
+              <a:t>União das duas frentes</a:t>
+            </a:r>
+          </a:p>
+        </p:txBody>
+      </p:sp>
+    </p:spTree>
+    <p:extLst>
+      <p:ext uri="{BB962C8B-B14F-4D97-AF65-F5344CB8AC3E}">
+        <p14:creationId xmlns:p14="http://schemas.microsoft.com/office/powerpoint/2010/main" val="4291739686"/>
+      </p:ext>
+    </p:extLst>
+  </p:cSld>
+  <p:clrMapOvr>
+    <a:masterClrMapping/>
+  </p:clrMapOvr>
+</p:sld>
+</file>
+
+<file path=ppt/slides/slide6.xml><?xml version="1.0" encoding="utf-8"?>
+<p:sld xmlns:a="http://schemas.openxmlformats.org/drawingml/2006/main" xmlns:r="http://schemas.openxmlformats.org/officeDocument/2006/relationships" xmlns:p="http://schemas.openxmlformats.org/presentationml/2006/main">
+  <p:cSld>
+    <p:spTree>
+      <p:nvGrpSpPr>
+        <p:cNvPr id="1" name=""/>
+        <p:cNvGrpSpPr/>
+        <p:nvPr/>
+      </p:nvGrpSpPr>
+      <p:grpSpPr>
+        <a:xfrm>
+          <a:off x="0" y="0"/>
+          <a:ext cx="0" cy="0"/>
+          <a:chOff x="0" y="0"/>
+          <a:chExt cx="0" cy="0"/>
+        </a:xfrm>
+      </p:grpSpPr>
+      <p:sp>
+        <p:nvSpPr>
+          <p:cNvPr id="2" name="Title 1"/>
+          <p:cNvSpPr>
+            <a:spLocks noGrp="1"/>
+          </p:cNvSpPr>
+          <p:nvPr>
+            <p:ph type="title"/>
+          </p:nvPr>
+        </p:nvSpPr>
+        <p:spPr/>
+        <p:txBody>
+          <a:bodyPr/>
+          <a:lstStyle/>
+          <a:p>
+            <a:r>
+              <a:rPr lang="pt-BR" dirty="0" err="1"/>
+              <a:t>Not</a:t>
+            </a:r>
+            <a:r>
+              <a:rPr lang="pt-BR" dirty="0"/>
+              <a:t> </a:t>
+            </a:r>
+            <a:r>
+              <a:rPr lang="pt-BR" dirty="0" err="1"/>
+              <a:t>yet</a:t>
+            </a:r>
+            <a:r>
+              <a:rPr lang="pt-BR" dirty="0"/>
+              <a:t>...</a:t>
+            </a:r>
+          </a:p>
+        </p:txBody>
+      </p:sp>
+      <p:sp>
+        <p:nvSpPr>
+          <p:cNvPr id="3" name="Text Placeholder 2"/>
+          <p:cNvSpPr>
+            <a:spLocks noGrp="1"/>
+          </p:cNvSpPr>
+          <p:nvPr>
+            <p:ph type="body" idx="1"/>
+          </p:nvPr>
+        </p:nvSpPr>
+        <p:spPr/>
+        <p:txBody>
+          <a:bodyPr/>
+          <a:lstStyle/>
+          <a:p>
+            <a:r>
+              <a:rPr lang="pt-BR" dirty="0"/>
+              <a:t>Fechar um ciclo: do GET ao SD</a:t>
+            </a:r>
+          </a:p>
+          <a:p>
+            <a:r>
+              <a:rPr lang="pt-BR" dirty="0"/>
+              <a:t>Completar o servidor: página com descrição dos arquivos</a:t>
+            </a:r>
+          </a:p>
+          <a:p>
+            <a:r>
+              <a:rPr lang="pt-BR" dirty="0"/>
+              <a:t>Fazer GET de arquivos maiores</a:t>
+            </a:r>
+          </a:p>
+          <a:p>
+            <a:r>
+              <a:rPr lang="pt-BR" dirty="0"/>
+              <a:t>Permitir que o usuário adicione seus próprios arquivos </a:t>
+            </a:r>
+            <a:r>
+              <a:rPr lang="pt-BR"/>
+              <a:t>à nuvem</a:t>
+            </a:r>
+            <a:endParaRPr lang="pt-BR" dirty="0"/>
+          </a:p>
+        </p:txBody>
+      </p:sp>
+    </p:spTree>
+    <p:extLst>
+      <p:ext uri="{BB962C8B-B14F-4D97-AF65-F5344CB8AC3E}">
+        <p14:creationId xmlns:p14="http://schemas.microsoft.com/office/powerpoint/2010/main" val="1059982145"/>
       </p:ext>
     </p:extLst>
   </p:cSld>

--- a/Apresentação Smart Pen Drive.pptx
+++ b/Apresentação Smart Pen Drive.pptx
@@ -5,25 +5,26 @@
     <p:sldMasterId id="2147483657" r:id="rId1"/>
   </p:sldMasterIdLst>
   <p:notesMasterIdLst>
-    <p:notesMasterId r:id="rId8"/>
+    <p:notesMasterId r:id="rId9"/>
   </p:notesMasterIdLst>
   <p:sldIdLst>
     <p:sldId id="256" r:id="rId2"/>
     <p:sldId id="285" r:id="rId3"/>
     <p:sldId id="284" r:id="rId4"/>
     <p:sldId id="286" r:id="rId5"/>
-    <p:sldId id="287" r:id="rId6"/>
-    <p:sldId id="288" r:id="rId7"/>
+    <p:sldId id="289" r:id="rId6"/>
+    <p:sldId id="287" r:id="rId7"/>
+    <p:sldId id="288" r:id="rId8"/>
   </p:sldIdLst>
   <p:sldSz cx="9144000" cy="6858000" type="screen4x3"/>
   <p:notesSz cx="6858000" cy="9144000"/>
   <p:embeddedFontLst>
     <p:embeddedFont>
       <p:font typeface="Cousine" panose="020B0604020202020204" charset="0"/>
-      <p:regular r:id="rId9"/>
-      <p:bold r:id="rId10"/>
-      <p:italic r:id="rId11"/>
-      <p:boldItalic r:id="rId12"/>
+      <p:regular r:id="rId10"/>
+      <p:bold r:id="rId11"/>
+      <p:italic r:id="rId12"/>
+      <p:boldItalic r:id="rId13"/>
     </p:embeddedFont>
   </p:embeddedFontLst>
   <p:defaultTextStyle>
@@ -3052,6 +3053,60 @@
           <a:chExt cx="0" cy="0"/>
         </a:xfrm>
       </p:grpSpPr>
+      <p:pic>
+        <p:nvPicPr>
+          <p:cNvPr id="5" name="Picture 4"/>
+          <p:cNvPicPr>
+            <a:picLocks noChangeAspect="1"/>
+          </p:cNvPicPr>
+          <p:nvPr/>
+        </p:nvPicPr>
+        <p:blipFill>
+          <a:blip r:embed="rId2"/>
+          <a:stretch>
+            <a:fillRect/>
+          </a:stretch>
+        </p:blipFill>
+        <p:spPr>
+          <a:xfrm>
+            <a:off x="1853034" y="230820"/>
+            <a:ext cx="5204713" cy="6417211"/>
+          </a:xfrm>
+          <a:prstGeom prst="rect">
+            <a:avLst/>
+          </a:prstGeom>
+        </p:spPr>
+      </p:pic>
+    </p:spTree>
+    <p:extLst>
+      <p:ext uri="{BB962C8B-B14F-4D97-AF65-F5344CB8AC3E}">
+        <p14:creationId xmlns:p14="http://schemas.microsoft.com/office/powerpoint/2010/main" val="4246819309"/>
+      </p:ext>
+    </p:extLst>
+  </p:cSld>
+  <p:clrMapOvr>
+    <a:masterClrMapping/>
+  </p:clrMapOvr>
+</p:sld>
+</file>
+
+<file path=ppt/slides/slide6.xml><?xml version="1.0" encoding="utf-8"?>
+<p:sld xmlns:a="http://schemas.openxmlformats.org/drawingml/2006/main" xmlns:r="http://schemas.openxmlformats.org/officeDocument/2006/relationships" xmlns:p="http://schemas.openxmlformats.org/presentationml/2006/main">
+  <p:cSld>
+    <p:spTree>
+      <p:nvGrpSpPr>
+        <p:cNvPr id="1" name=""/>
+        <p:cNvGrpSpPr/>
+        <p:nvPr/>
+      </p:nvGrpSpPr>
+      <p:grpSpPr>
+        <a:xfrm>
+          <a:off x="0" y="0"/>
+          <a:ext cx="0" cy="0"/>
+          <a:chOff x="0" y="0"/>
+          <a:chExt cx="0" cy="0"/>
+        </a:xfrm>
+      </p:grpSpPr>
       <p:sp>
         <p:nvSpPr>
           <p:cNvPr id="2" name="Title 1"/>
@@ -3068,20 +3123,8 @@
           <a:lstStyle/>
           <a:p>
             <a:r>
-              <a:rPr lang="pt-BR" dirty="0" err="1"/>
-              <a:t>So</a:t>
-            </a:r>
-            <a:r>
               <a:rPr lang="pt-BR" dirty="0"/>
-              <a:t> </a:t>
-            </a:r>
-            <a:r>
-              <a:rPr lang="pt-BR" dirty="0" err="1"/>
-              <a:t>far</a:t>
-            </a:r>
-            <a:r>
-              <a:rPr lang="pt-BR" dirty="0"/>
-              <a:t>...</a:t>
+              <a:t>O que temos...</a:t>
             </a:r>
           </a:p>
         </p:txBody>
@@ -3102,31 +3145,38 @@
           <a:lstStyle/>
           <a:p>
             <a:r>
-              <a:rPr lang="pt-BR" dirty="0"/>
-              <a:t>Criação do servidor</a:t>
+              <a:rPr lang="pt-BR" sz="2400" dirty="0"/>
+              <a:t>Servidor conectado ao Dropbox</a:t>
             </a:r>
           </a:p>
           <a:p>
             <a:r>
-              <a:rPr lang="pt-BR" dirty="0"/>
-              <a:t>GET e POST através do </a:t>
-            </a:r>
-            <a:r>
-              <a:rPr lang="pt-BR" dirty="0" err="1"/>
-              <a:t>uC</a:t>
-            </a:r>
-            <a:endParaRPr lang="pt-BR" dirty="0"/>
-          </a:p>
-          <a:p>
-            <a:r>
-              <a:rPr lang="pt-BR" dirty="0"/>
-              <a:t>Gravar uma imagem no cartão SD</a:t>
+              <a:rPr lang="pt-BR" sz="2400" dirty="0"/>
+              <a:t>Conexão TCP/IP com protocolo HTTP</a:t>
             </a:r>
           </a:p>
           <a:p>
             <a:r>
-              <a:rPr lang="pt-BR" dirty="0"/>
-              <a:t>União das duas frentes</a:t>
+              <a:rPr lang="pt-BR" sz="2400" dirty="0"/>
+              <a:t>Leitura da lista de arquivos no Dropbox</a:t>
+            </a:r>
+          </a:p>
+          <a:p>
+            <a:r>
+              <a:rPr lang="pt-BR" sz="2400" dirty="0"/>
+              <a:t>Download de todos os arquivos na lista</a:t>
+            </a:r>
+          </a:p>
+          <a:p>
+            <a:r>
+              <a:rPr lang="pt-BR" sz="2400" dirty="0"/>
+              <a:t>Copia conteúdos de arquivos TXT</a:t>
+            </a:r>
+          </a:p>
+          <a:p>
+            <a:r>
+              <a:rPr lang="pt-BR" sz="2400" dirty="0"/>
+              <a:t>Atualiza a lista com reset da placa</a:t>
             </a:r>
           </a:p>
         </p:txBody>
@@ -3144,7 +3194,7 @@
 </p:sld>
 </file>
 
-<file path=ppt/slides/slide6.xml><?xml version="1.0" encoding="utf-8"?>
+<file path=ppt/slides/slide7.xml><?xml version="1.0" encoding="utf-8"?>
 <p:sld xmlns:a="http://schemas.openxmlformats.org/drawingml/2006/main" xmlns:r="http://schemas.openxmlformats.org/officeDocument/2006/relationships" xmlns:p="http://schemas.openxmlformats.org/presentationml/2006/main">
   <p:cSld>
     <p:spTree>
@@ -3211,32 +3261,54 @@
           <a:lstStyle/>
           <a:p>
             <a:r>
-              <a:rPr lang="pt-BR" dirty="0"/>
-              <a:t>Fechar um ciclo: do GET ao SD</a:t>
+              <a:rPr lang="pt-BR" sz="2400" dirty="0"/>
+              <a:t>Checagem automática dos arquivos</a:t>
             </a:r>
           </a:p>
           <a:p>
             <a:r>
-              <a:rPr lang="pt-BR" dirty="0"/>
-              <a:t>Completar o servidor: página com descrição dos arquivos</a:t>
+              <a:rPr lang="pt-BR" sz="2400" dirty="0"/>
+              <a:t>Checagem de modificação dos arquivos</a:t>
             </a:r>
           </a:p>
           <a:p>
             <a:r>
-              <a:rPr lang="pt-BR" dirty="0"/>
-              <a:t>Fazer GET de arquivos maiores</a:t>
+              <a:rPr lang="pt-BR" sz="2400" dirty="0"/>
+              <a:t>Download automático de arquivos modificados</a:t>
             </a:r>
           </a:p>
           <a:p>
             <a:r>
-              <a:rPr lang="pt-BR" dirty="0"/>
-              <a:t>Permitir que o usuário adicione seus próprios arquivos </a:t>
+              <a:rPr lang="pt-BR" sz="2400" dirty="0"/>
+              <a:t>Criação de diretórios</a:t>
+            </a:r>
+          </a:p>
+          <a:p>
+            <a:r>
+              <a:rPr lang="pt-BR" sz="2400" dirty="0"/>
+              <a:t>Download de arquivos de qualquer extensão</a:t>
+            </a:r>
+          </a:p>
+          <a:p>
+            <a:r>
+              <a:rPr lang="pt-BR" sz="2400" dirty="0"/>
+              <a:t>Download de arquivos maiores</a:t>
+            </a:r>
+          </a:p>
+          <a:p>
+            <a:r>
+              <a:rPr lang="pt-BR" sz="2400" dirty="0" err="1"/>
+              <a:t>Simulaçào</a:t>
             </a:r>
             <a:r>
-              <a:rPr lang="pt-BR"/>
-              <a:t>à nuvem</a:t>
+              <a:rPr lang="pt-BR" sz="2400" dirty="0"/>
+              <a:t> de </a:t>
             </a:r>
-            <a:endParaRPr lang="pt-BR" dirty="0"/>
+            <a:r>
+              <a:rPr lang="pt-BR" sz="2400"/>
+              <a:t>pen drive</a:t>
+            </a:r>
+            <a:endParaRPr lang="pt-BR" sz="2400" dirty="0"/>
           </a:p>
         </p:txBody>
       </p:sp>
